--- a/Data science Assignment 1.pptx
+++ b/Data science Assignment 1.pptx
@@ -106,6 +106,11 @@
       </a:defRPr>
     </a:lvl9pPr>
   </p:defaultTextStyle>
+  <p:extLst>
+    <p:ext uri="{EFAFB233-063F-42B5-8137-9DF3F51BA10A}">
+      <p15:sldGuideLst xmlns:p15="http://schemas.microsoft.com/office/powerpoint/2012/main"/>
+    </p:ext>
+  </p:extLst>
 </p:presentation>
 </file>
 
@@ -256,7 +261,7 @@
           <a:p>
             <a:fld id="{0A7C72BE-EC96-4325-81A6-DCBBA11F056D}" type="datetimeFigureOut">
               <a:rPr lang="nl-NL" smtClean="0"/>
-              <a:t>30-1-2023</a:t>
+              <a:t>12-3-2023</a:t>
             </a:fld>
             <a:endParaRPr lang="nl-NL"/>
           </a:p>
@@ -310,7 +315,7 @@
           <a:p>
             <a:fld id="{DAA69AD4-01C9-49A3-9D06-20AC84EDB4B8}" type="slidenum">
               <a:rPr lang="nl-NL" smtClean="0"/>
-              <a:t>‹nr.›</a:t>
+              <a:t>‹#›</a:t>
             </a:fld>
             <a:endParaRPr lang="nl-NL"/>
           </a:p>
@@ -454,7 +459,7 @@
           <a:p>
             <a:fld id="{0A7C72BE-EC96-4325-81A6-DCBBA11F056D}" type="datetimeFigureOut">
               <a:rPr lang="nl-NL" smtClean="0"/>
-              <a:t>30-1-2023</a:t>
+              <a:t>12-3-2023</a:t>
             </a:fld>
             <a:endParaRPr lang="nl-NL"/>
           </a:p>
@@ -508,7 +513,7 @@
           <a:p>
             <a:fld id="{DAA69AD4-01C9-49A3-9D06-20AC84EDB4B8}" type="slidenum">
               <a:rPr lang="nl-NL" smtClean="0"/>
-              <a:t>‹nr.›</a:t>
+              <a:t>‹#›</a:t>
             </a:fld>
             <a:endParaRPr lang="nl-NL"/>
           </a:p>
@@ -662,7 +667,7 @@
           <a:p>
             <a:fld id="{0A7C72BE-EC96-4325-81A6-DCBBA11F056D}" type="datetimeFigureOut">
               <a:rPr lang="nl-NL" smtClean="0"/>
-              <a:t>30-1-2023</a:t>
+              <a:t>12-3-2023</a:t>
             </a:fld>
             <a:endParaRPr lang="nl-NL"/>
           </a:p>
@@ -716,7 +721,7 @@
           <a:p>
             <a:fld id="{DAA69AD4-01C9-49A3-9D06-20AC84EDB4B8}" type="slidenum">
               <a:rPr lang="nl-NL" smtClean="0"/>
-              <a:t>‹nr.›</a:t>
+              <a:t>‹#›</a:t>
             </a:fld>
             <a:endParaRPr lang="nl-NL"/>
           </a:p>
@@ -860,7 +865,7 @@
           <a:p>
             <a:fld id="{0A7C72BE-EC96-4325-81A6-DCBBA11F056D}" type="datetimeFigureOut">
               <a:rPr lang="nl-NL" smtClean="0"/>
-              <a:t>30-1-2023</a:t>
+              <a:t>12-3-2023</a:t>
             </a:fld>
             <a:endParaRPr lang="nl-NL"/>
           </a:p>
@@ -914,7 +919,7 @@
           <a:p>
             <a:fld id="{DAA69AD4-01C9-49A3-9D06-20AC84EDB4B8}" type="slidenum">
               <a:rPr lang="nl-NL" smtClean="0"/>
-              <a:t>‹nr.›</a:t>
+              <a:t>‹#›</a:t>
             </a:fld>
             <a:endParaRPr lang="nl-NL"/>
           </a:p>
@@ -1135,7 +1140,7 @@
           <a:p>
             <a:fld id="{0A7C72BE-EC96-4325-81A6-DCBBA11F056D}" type="datetimeFigureOut">
               <a:rPr lang="nl-NL" smtClean="0"/>
-              <a:t>30-1-2023</a:t>
+              <a:t>12-3-2023</a:t>
             </a:fld>
             <a:endParaRPr lang="nl-NL"/>
           </a:p>
@@ -1189,7 +1194,7 @@
           <a:p>
             <a:fld id="{DAA69AD4-01C9-49A3-9D06-20AC84EDB4B8}" type="slidenum">
               <a:rPr lang="nl-NL" smtClean="0"/>
-              <a:t>‹nr.›</a:t>
+              <a:t>‹#›</a:t>
             </a:fld>
             <a:endParaRPr lang="nl-NL"/>
           </a:p>
@@ -1400,7 +1405,7 @@
           <a:p>
             <a:fld id="{0A7C72BE-EC96-4325-81A6-DCBBA11F056D}" type="datetimeFigureOut">
               <a:rPr lang="nl-NL" smtClean="0"/>
-              <a:t>30-1-2023</a:t>
+              <a:t>12-3-2023</a:t>
             </a:fld>
             <a:endParaRPr lang="nl-NL"/>
           </a:p>
@@ -1454,7 +1459,7 @@
           <a:p>
             <a:fld id="{DAA69AD4-01C9-49A3-9D06-20AC84EDB4B8}" type="slidenum">
               <a:rPr lang="nl-NL" smtClean="0"/>
-              <a:t>‹nr.›</a:t>
+              <a:t>‹#›</a:t>
             </a:fld>
             <a:endParaRPr lang="nl-NL"/>
           </a:p>
@@ -1812,7 +1817,7 @@
           <a:p>
             <a:fld id="{0A7C72BE-EC96-4325-81A6-DCBBA11F056D}" type="datetimeFigureOut">
               <a:rPr lang="nl-NL" smtClean="0"/>
-              <a:t>30-1-2023</a:t>
+              <a:t>12-3-2023</a:t>
             </a:fld>
             <a:endParaRPr lang="nl-NL"/>
           </a:p>
@@ -1866,7 +1871,7 @@
           <a:p>
             <a:fld id="{DAA69AD4-01C9-49A3-9D06-20AC84EDB4B8}" type="slidenum">
               <a:rPr lang="nl-NL" smtClean="0"/>
-              <a:t>‹nr.›</a:t>
+              <a:t>‹#›</a:t>
             </a:fld>
             <a:endParaRPr lang="nl-NL"/>
           </a:p>
@@ -1953,7 +1958,7 @@
           <a:p>
             <a:fld id="{0A7C72BE-EC96-4325-81A6-DCBBA11F056D}" type="datetimeFigureOut">
               <a:rPr lang="nl-NL" smtClean="0"/>
-              <a:t>30-1-2023</a:t>
+              <a:t>12-3-2023</a:t>
             </a:fld>
             <a:endParaRPr lang="nl-NL"/>
           </a:p>
@@ -2007,7 +2012,7 @@
           <a:p>
             <a:fld id="{DAA69AD4-01C9-49A3-9D06-20AC84EDB4B8}" type="slidenum">
               <a:rPr lang="nl-NL" smtClean="0"/>
-              <a:t>‹nr.›</a:t>
+              <a:t>‹#›</a:t>
             </a:fld>
             <a:endParaRPr lang="nl-NL"/>
           </a:p>
@@ -2066,7 +2071,7 @@
           <a:p>
             <a:fld id="{0A7C72BE-EC96-4325-81A6-DCBBA11F056D}" type="datetimeFigureOut">
               <a:rPr lang="nl-NL" smtClean="0"/>
-              <a:t>30-1-2023</a:t>
+              <a:t>12-3-2023</a:t>
             </a:fld>
             <a:endParaRPr lang="nl-NL"/>
           </a:p>
@@ -2120,7 +2125,7 @@
           <a:p>
             <a:fld id="{DAA69AD4-01C9-49A3-9D06-20AC84EDB4B8}" type="slidenum">
               <a:rPr lang="nl-NL" smtClean="0"/>
-              <a:t>‹nr.›</a:t>
+              <a:t>‹#›</a:t>
             </a:fld>
             <a:endParaRPr lang="nl-NL"/>
           </a:p>
@@ -2377,7 +2382,7 @@
           <a:p>
             <a:fld id="{0A7C72BE-EC96-4325-81A6-DCBBA11F056D}" type="datetimeFigureOut">
               <a:rPr lang="nl-NL" smtClean="0"/>
-              <a:t>30-1-2023</a:t>
+              <a:t>12-3-2023</a:t>
             </a:fld>
             <a:endParaRPr lang="nl-NL"/>
           </a:p>
@@ -2431,7 +2436,7 @@
           <a:p>
             <a:fld id="{DAA69AD4-01C9-49A3-9D06-20AC84EDB4B8}" type="slidenum">
               <a:rPr lang="nl-NL" smtClean="0"/>
-              <a:t>‹nr.›</a:t>
+              <a:t>‹#›</a:t>
             </a:fld>
             <a:endParaRPr lang="nl-NL"/>
           </a:p>
@@ -2665,7 +2670,7 @@
           <a:p>
             <a:fld id="{0A7C72BE-EC96-4325-81A6-DCBBA11F056D}" type="datetimeFigureOut">
               <a:rPr lang="nl-NL" smtClean="0"/>
-              <a:t>30-1-2023</a:t>
+              <a:t>12-3-2023</a:t>
             </a:fld>
             <a:endParaRPr lang="nl-NL"/>
           </a:p>
@@ -2719,7 +2724,7 @@
           <a:p>
             <a:fld id="{DAA69AD4-01C9-49A3-9D06-20AC84EDB4B8}" type="slidenum">
               <a:rPr lang="nl-NL" smtClean="0"/>
-              <a:t>‹nr.›</a:t>
+              <a:t>‹#›</a:t>
             </a:fld>
             <a:endParaRPr lang="nl-NL"/>
           </a:p>
@@ -2906,7 +2911,7 @@
           <a:p>
             <a:fld id="{0A7C72BE-EC96-4325-81A6-DCBBA11F056D}" type="datetimeFigureOut">
               <a:rPr lang="nl-NL" smtClean="0"/>
-              <a:t>30-1-2023</a:t>
+              <a:t>12-3-2023</a:t>
             </a:fld>
             <a:endParaRPr lang="nl-NL"/>
           </a:p>
@@ -2996,7 +3001,7 @@
           <a:p>
             <a:fld id="{DAA69AD4-01C9-49A3-9D06-20AC84EDB4B8}" type="slidenum">
               <a:rPr lang="nl-NL" smtClean="0"/>
-              <a:t>‹nr.›</a:t>
+              <a:t>‹#›</a:t>
             </a:fld>
             <a:endParaRPr lang="nl-NL"/>
           </a:p>
@@ -3553,7 +3558,7 @@
         <p:spPr>
           <a:xfrm>
             <a:off x="643469" y="1782981"/>
-            <a:ext cx="4008384" cy="4393982"/>
+            <a:ext cx="4008384" cy="2017580"/>
           </a:xfrm>
         </p:spPr>
         <p:txBody>
@@ -3563,8 +3568,16 @@
           <a:lstStyle/>
           <a:p>
             <a:r>
-              <a:rPr lang="nl-NL" sz="2000"/>
-              <a:t>Data science is een vakgebied dat wetenschappelijke methoden, processen, algoritmen en systemen gebruikt om inzicht in data te verkrijgen. Daarnaast wordt deze data omgezet naar interpreteerbare kennis.</a:t>
+              <a:rPr lang="nl-NL" sz="2000" dirty="0"/>
+              <a:t>Data </a:t>
+            </a:r>
+            <a:r>
+              <a:rPr lang="nl-NL" sz="2000" dirty="0" err="1"/>
+              <a:t>science</a:t>
+            </a:r>
+            <a:r>
+              <a:rPr lang="nl-NL" sz="2000" dirty="0"/>
+              <a:t> is een vakgebied dat wetenschappelijke methoden, processen, algoritmen en systemen gebruikt om inzicht in data te verkrijgen. Daarnaast wordt deze data omgezet naar interpreteerbare kennis.</a:t>
             </a:r>
           </a:p>
         </p:txBody>
